--- a/Presentations/Mid Semester Review/Individual_Slides/Prashant/Prashant_Mid_Semester.pptx
+++ b/Presentations/Mid Semester Review/Individual_Slides/Prashant/Prashant_Mid_Semester.pptx
@@ -117,7 +117,7 @@
   </p:defaultTextStyle>
   <p:extLst>
     <p:ext uri="{EFAFB233-063F-42B5-8137-9DF3F51BA10A}">
-      <p15:sldGuideLst xmlns:p15="http://schemas.microsoft.com/office/powerpoint/2012/main">
+      <p15:sldGuideLst xmlns:p15="http://schemas.microsoft.com/office/powerpoint/2012/main" xmlns="">
         <p15:guide id="1" orient="horz" pos="2160">
           <p15:clr>
             <a:srgbClr val="A4A3A4"/>
@@ -216,7 +216,7 @@
           <a:p>
             <a:fld id="{C52E4BB0-9F7C-4BF3-9994-F4A1E59F7431}" type="datetimeFigureOut">
               <a:rPr lang="en-GB" smtClean="0"/>
-              <a:t>15/10/2015</a:t>
+              <a:t>10/18/15</a:t>
             </a:fld>
             <a:endParaRPr lang="en-GB"/>
           </a:p>
@@ -749,7 +749,7 @@
           <a:p>
             <a:fld id="{A8193F1D-56DB-E44D-9849-55B52730CCEA}" type="datetimeFigureOut">
               <a:rPr lang="en-US" smtClean="0"/>
-              <a:t>10/15/2015</a:t>
+              <a:t>10/18/15</a:t>
             </a:fld>
             <a:endParaRPr lang="en-US"/>
           </a:p>
@@ -919,7 +919,7 @@
           <a:p>
             <a:fld id="{A8193F1D-56DB-E44D-9849-55B52730CCEA}" type="datetimeFigureOut">
               <a:rPr lang="en-US" smtClean="0"/>
-              <a:t>10/15/2015</a:t>
+              <a:t>10/18/15</a:t>
             </a:fld>
             <a:endParaRPr lang="en-US"/>
           </a:p>
@@ -1099,7 +1099,7 @@
           <a:p>
             <a:fld id="{A8193F1D-56DB-E44D-9849-55B52730CCEA}" type="datetimeFigureOut">
               <a:rPr lang="en-US" smtClean="0"/>
-              <a:t>10/15/2015</a:t>
+              <a:t>10/18/15</a:t>
             </a:fld>
             <a:endParaRPr lang="en-US"/>
           </a:p>
@@ -1269,7 +1269,7 @@
           <a:p>
             <a:fld id="{A8193F1D-56DB-E44D-9849-55B52730CCEA}" type="datetimeFigureOut">
               <a:rPr lang="en-US" smtClean="0"/>
-              <a:t>10/15/2015</a:t>
+              <a:t>10/18/15</a:t>
             </a:fld>
             <a:endParaRPr lang="en-US"/>
           </a:p>
@@ -1515,7 +1515,7 @@
           <a:p>
             <a:fld id="{A8193F1D-56DB-E44D-9849-55B52730CCEA}" type="datetimeFigureOut">
               <a:rPr lang="en-US" smtClean="0"/>
-              <a:t>10/15/2015</a:t>
+              <a:t>10/18/15</a:t>
             </a:fld>
             <a:endParaRPr lang="en-US"/>
           </a:p>
@@ -1803,7 +1803,7 @@
           <a:p>
             <a:fld id="{A8193F1D-56DB-E44D-9849-55B52730CCEA}" type="datetimeFigureOut">
               <a:rPr lang="en-US" smtClean="0"/>
-              <a:t>10/15/2015</a:t>
+              <a:t>10/18/15</a:t>
             </a:fld>
             <a:endParaRPr lang="en-US"/>
           </a:p>
@@ -2225,7 +2225,7 @@
           <a:p>
             <a:fld id="{A8193F1D-56DB-E44D-9849-55B52730CCEA}" type="datetimeFigureOut">
               <a:rPr lang="en-US" smtClean="0"/>
-              <a:t>10/15/2015</a:t>
+              <a:t>10/18/15</a:t>
             </a:fld>
             <a:endParaRPr lang="en-US"/>
           </a:p>
@@ -2343,7 +2343,7 @@
           <a:p>
             <a:fld id="{A8193F1D-56DB-E44D-9849-55B52730CCEA}" type="datetimeFigureOut">
               <a:rPr lang="en-US" smtClean="0"/>
-              <a:t>10/15/2015</a:t>
+              <a:t>10/18/15</a:t>
             </a:fld>
             <a:endParaRPr lang="en-US"/>
           </a:p>
@@ -2438,7 +2438,7 @@
           <a:p>
             <a:fld id="{A8193F1D-56DB-E44D-9849-55B52730CCEA}" type="datetimeFigureOut">
               <a:rPr lang="en-US" smtClean="0"/>
-              <a:t>10/15/2015</a:t>
+              <a:t>10/18/15</a:t>
             </a:fld>
             <a:endParaRPr lang="en-US"/>
           </a:p>
@@ -2715,7 +2715,7 @@
           <a:p>
             <a:fld id="{A8193F1D-56DB-E44D-9849-55B52730CCEA}" type="datetimeFigureOut">
               <a:rPr lang="en-US" smtClean="0"/>
-              <a:t>10/15/2015</a:t>
+              <a:t>10/18/15</a:t>
             </a:fld>
             <a:endParaRPr lang="en-US"/>
           </a:p>
@@ -2968,7 +2968,7 @@
           <a:p>
             <a:fld id="{A8193F1D-56DB-E44D-9849-55B52730CCEA}" type="datetimeFigureOut">
               <a:rPr lang="en-US" smtClean="0"/>
-              <a:t>10/15/2015</a:t>
+              <a:t>10/18/15</a:t>
             </a:fld>
             <a:endParaRPr lang="en-US"/>
           </a:p>
@@ -3181,7 +3181,7 @@
           <a:p>
             <a:fld id="{A8193F1D-56DB-E44D-9849-55B52730CCEA}" type="datetimeFigureOut">
               <a:rPr lang="en-US" smtClean="0"/>
-              <a:t>10/15/2015</a:t>
+              <a:t>10/18/15</a:t>
             </a:fld>
             <a:endParaRPr lang="en-US"/>
           </a:p>
@@ -3825,7 +3825,7 @@
   <p:timing>
     <p:tnLst>
       <p:par>
-        <p:cTn id="1" dur="indefinite" restart="never" nodeType="tmRoot"/>
+        <p:cTn xmlns:p14="http://schemas.microsoft.com/office/powerpoint/2010/main" id="1" dur="indefinite" restart="never" nodeType="tmRoot"/>
       </p:par>
     </p:tnLst>
   </p:timing>
@@ -4193,7 +4193,7 @@
   <p:timing>
     <p:tnLst>
       <p:par>
-        <p:cTn id="1" dur="indefinite" restart="never" nodeType="tmRoot"/>
+        <p:cTn xmlns:p14="http://schemas.microsoft.com/office/powerpoint/2010/main" id="1" dur="indefinite" restart="never" nodeType="tmRoot"/>
       </p:par>
     </p:tnLst>
   </p:timing>
@@ -4577,7 +4577,7 @@
   <p:timing>
     <p:tnLst>
       <p:par>
-        <p:cTn id="1" dur="indefinite" restart="never" nodeType="tmRoot"/>
+        <p:cTn xmlns:p14="http://schemas.microsoft.com/office/powerpoint/2010/main" id="1" dur="indefinite" restart="never" nodeType="tmRoot"/>
       </p:par>
     </p:tnLst>
   </p:timing>
@@ -5024,7 +5024,7 @@
   <p:timing>
     <p:tnLst>
       <p:par>
-        <p:cTn id="1" dur="indefinite" restart="never" nodeType="tmRoot"/>
+        <p:cTn xmlns:p14="http://schemas.microsoft.com/office/powerpoint/2010/main" id="1" dur="indefinite" restart="never" nodeType="tmRoot"/>
       </p:par>
     </p:tnLst>
   </p:timing>
@@ -5467,7 +5467,7 @@
   <p:timing>
     <p:tnLst>
       <p:par>
-        <p:cTn id="1" dur="indefinite" restart="never" nodeType="tmRoot"/>
+        <p:cTn xmlns:p14="http://schemas.microsoft.com/office/powerpoint/2010/main" id="1" dur="indefinite" restart="never" nodeType="tmRoot"/>
       </p:par>
     </p:tnLst>
   </p:timing>
@@ -5851,7 +5851,7 @@
   <p:timing>
     <p:tnLst>
       <p:par>
-        <p:cTn id="1" dur="indefinite" restart="never" nodeType="tmRoot"/>
+        <p:cTn xmlns:p14="http://schemas.microsoft.com/office/powerpoint/2010/main" id="1" dur="indefinite" restart="never" nodeType="tmRoot"/>
       </p:par>
     </p:tnLst>
   </p:timing>
@@ -6249,7 +6249,7 @@
   <p:timing>
     <p:tnLst>
       <p:par>
-        <p:cTn id="1" dur="indefinite" restart="never" nodeType="tmRoot"/>
+        <p:cTn xmlns:p14="http://schemas.microsoft.com/office/powerpoint/2010/main" id="1" dur="indefinite" restart="never" nodeType="tmRoot"/>
       </p:par>
     </p:tnLst>
   </p:timing>
@@ -6619,7 +6619,7 @@
   <p:timing>
     <p:tnLst>
       <p:par>
-        <p:cTn id="1" dur="indefinite" restart="never" nodeType="tmRoot"/>
+        <p:cTn xmlns:p14="http://schemas.microsoft.com/office/powerpoint/2010/main" id="1" dur="indefinite" restart="never" nodeType="tmRoot"/>
       </p:par>
     </p:tnLst>
   </p:timing>
@@ -7078,7 +7078,7 @@
   <p:timing>
     <p:tnLst>
       <p:par>
-        <p:cTn id="1" dur="indefinite" restart="never" nodeType="tmRoot"/>
+        <p:cTn xmlns:p14="http://schemas.microsoft.com/office/powerpoint/2010/main" id="1" dur="indefinite" restart="never" nodeType="tmRoot"/>
       </p:par>
     </p:tnLst>
   </p:timing>
@@ -7448,7 +7448,7 @@
     </a:clrScheme>
     <a:fontScheme name="Office">
       <a:majorFont>
-        <a:latin typeface="Calibri Light" panose="020F0302020204030204"/>
+        <a:latin typeface="Calibri Light"/>
         <a:ea typeface=""/>
         <a:cs typeface=""/>
         <a:font script="Jpan" typeface="ＭＳ Ｐゴシック"/>
@@ -7483,7 +7483,7 @@
         <a:font script="Geor" typeface="Sylfaen"/>
       </a:majorFont>
       <a:minorFont>
-        <a:latin typeface="Calibri" panose="020F0502020204030204"/>
+        <a:latin typeface="Calibri"/>
         <a:ea typeface=""/>
         <a:cs typeface=""/>
         <a:font script="Jpan" typeface="ＭＳ Ｐゴシック"/>
@@ -7660,7 +7660,7 @@
   <a:extraClrSchemeLst/>
   <a:extLst>
     <a:ext uri="{05A4C25C-085E-4340-85A3-A5531E510DB2}">
-      <thm15:themeFamily xmlns:thm15="http://schemas.microsoft.com/office/thememl/2012/main" name="Office Theme" id="{62F939B6-93AF-4DB8-9C6B-D6C7DFDC589F}" vid="{4A3C46E8-61CC-4603-A589-7422A47A8E4A}"/>
+      <thm15:themeFamily xmlns:thm15="http://schemas.microsoft.com/office/thememl/2012/main" xmlns="" name="Office Theme" id="{62F939B6-93AF-4DB8-9C6B-D6C7DFDC589F}" vid="{4A3C46E8-61CC-4603-A589-7422A47A8E4A}"/>
     </a:ext>
   </a:extLst>
 </a:theme>
